--- a/Poster.pptx
+++ b/Poster.pptx
@@ -3053,7 +3053,7 @@
         </p:blipFill>
         <p:spPr>
           <a:xfrm>
-            <a:off x="17575213" y="8167175"/>
+            <a:off x="16660813" y="18693611"/>
             <a:ext cx="12700000" cy="7924800"/>
           </a:xfrm>
           <a:prstGeom prst="rect">
@@ -3248,7 +3248,7 @@
           </a:lstStyle>
           <a:p>
             <a:r>
-              <a:rPr lang="en-US" sz="3200" smtClean="0">
+              <a:rPr lang="en-US" sz="3200" dirty="0" smtClean="0">
                 <a:solidFill>
                   <a:schemeClr val="bg1"/>
                 </a:solidFill>
@@ -3259,7 +3259,7 @@
           <a:p>
             <a:pPr algn="just"/>
             <a:r>
-              <a:rPr lang="en-US" sz="3200" smtClean="0">
+              <a:rPr lang="en-US" sz="3200" dirty="0" smtClean="0">
                 <a:solidFill>
                   <a:schemeClr val="bg1"/>
                 </a:solidFill>

--- a/Poster.pptx
+++ b/Poster.pptx
@@ -104,6 +104,11 @@
       </a:defRPr>
     </a:lvl9pPr>
   </p:defaultTextStyle>
+  <p:extLst>
+    <p:ext uri="{EFAFB233-063F-42B5-8137-9DF3F51BA10A}">
+      <p15:sldGuideLst xmlns:p15="http://schemas.microsoft.com/office/powerpoint/2012/main"/>
+    </p:ext>
+  </p:extLst>
 </p:presentation>
 </file>
 
@@ -238,7 +243,7 @@
           <a:p>
             <a:fld id="{9321A92E-0CA4-EF49-86ED-36ECBDF7AD38}" type="datetimeFigureOut">
               <a:rPr lang="en-US" smtClean="0"/>
-              <a:t>5/15/17</a:t>
+              <a:t>5/30/17</a:t>
             </a:fld>
             <a:endParaRPr lang="en-US"/>
           </a:p>
@@ -403,7 +408,7 @@
           <a:p>
             <a:fld id="{9321A92E-0CA4-EF49-86ED-36ECBDF7AD38}" type="datetimeFigureOut">
               <a:rPr lang="en-US" smtClean="0"/>
-              <a:t>5/15/17</a:t>
+              <a:t>5/30/17</a:t>
             </a:fld>
             <a:endParaRPr lang="en-US"/>
           </a:p>
@@ -578,7 +583,7 @@
           <a:p>
             <a:fld id="{9321A92E-0CA4-EF49-86ED-36ECBDF7AD38}" type="datetimeFigureOut">
               <a:rPr lang="en-US" smtClean="0"/>
-              <a:t>5/15/17</a:t>
+              <a:t>5/30/17</a:t>
             </a:fld>
             <a:endParaRPr lang="en-US"/>
           </a:p>
@@ -743,7 +748,7 @@
           <a:p>
             <a:fld id="{9321A92E-0CA4-EF49-86ED-36ECBDF7AD38}" type="datetimeFigureOut">
               <a:rPr lang="en-US" smtClean="0"/>
-              <a:t>5/15/17</a:t>
+              <a:t>5/30/17</a:t>
             </a:fld>
             <a:endParaRPr lang="en-US"/>
           </a:p>
@@ -982,7 +987,7 @@
           <a:p>
             <a:fld id="{9321A92E-0CA4-EF49-86ED-36ECBDF7AD38}" type="datetimeFigureOut">
               <a:rPr lang="en-US" smtClean="0"/>
-              <a:t>5/15/17</a:t>
+              <a:t>5/30/17</a:t>
             </a:fld>
             <a:endParaRPr lang="en-US"/>
           </a:p>
@@ -1209,7 +1214,7 @@
           <a:p>
             <a:fld id="{9321A92E-0CA4-EF49-86ED-36ECBDF7AD38}" type="datetimeFigureOut">
               <a:rPr lang="en-US" smtClean="0"/>
-              <a:t>5/15/17</a:t>
+              <a:t>5/30/17</a:t>
             </a:fld>
             <a:endParaRPr lang="en-US"/>
           </a:p>
@@ -1571,7 +1576,7 @@
           <a:p>
             <a:fld id="{9321A92E-0CA4-EF49-86ED-36ECBDF7AD38}" type="datetimeFigureOut">
               <a:rPr lang="en-US" smtClean="0"/>
-              <a:t>5/15/17</a:t>
+              <a:t>5/30/17</a:t>
             </a:fld>
             <a:endParaRPr lang="en-US"/>
           </a:p>
@@ -1684,7 +1689,7 @@
           <a:p>
             <a:fld id="{9321A92E-0CA4-EF49-86ED-36ECBDF7AD38}" type="datetimeFigureOut">
               <a:rPr lang="en-US" smtClean="0"/>
-              <a:t>5/15/17</a:t>
+              <a:t>5/30/17</a:t>
             </a:fld>
             <a:endParaRPr lang="en-US"/>
           </a:p>
@@ -1774,7 +1779,7 @@
           <a:p>
             <a:fld id="{9321A92E-0CA4-EF49-86ED-36ECBDF7AD38}" type="datetimeFigureOut">
               <a:rPr lang="en-US" smtClean="0"/>
-              <a:t>5/15/17</a:t>
+              <a:t>5/30/17</a:t>
             </a:fld>
             <a:endParaRPr lang="en-US"/>
           </a:p>
@@ -2046,7 +2051,7 @@
           <a:p>
             <a:fld id="{9321A92E-0CA4-EF49-86ED-36ECBDF7AD38}" type="datetimeFigureOut">
               <a:rPr lang="en-US" smtClean="0"/>
-              <a:t>5/15/17</a:t>
+              <a:t>5/30/17</a:t>
             </a:fld>
             <a:endParaRPr lang="en-US"/>
           </a:p>
@@ -2298,7 +2303,7 @@
           <a:p>
             <a:fld id="{9321A92E-0CA4-EF49-86ED-36ECBDF7AD38}" type="datetimeFigureOut">
               <a:rPr lang="en-US" smtClean="0"/>
-              <a:t>5/15/17</a:t>
+              <a:t>5/30/17</a:t>
             </a:fld>
             <a:endParaRPr lang="en-US"/>
           </a:p>
@@ -2506,7 +2511,7 @@
           <a:p>
             <a:fld id="{9321A92E-0CA4-EF49-86ED-36ECBDF7AD38}" type="datetimeFigureOut">
               <a:rPr lang="en-US" smtClean="0"/>
-              <a:t>5/15/17</a:t>
+              <a:t>5/30/17</a:t>
             </a:fld>
             <a:endParaRPr lang="en-US"/>
           </a:p>
@@ -2899,15 +2904,23 @@
   <p:cSld>
     <p:bg>
       <p:bgPr>
-        <a:blipFill dpi="0" rotWithShape="1">
-          <a:blip r:embed="rId2">
-            <a:lum/>
-          </a:blip>
-          <a:srcRect/>
-          <a:stretch>
-            <a:fillRect l="-63000" r="-63000"/>
-          </a:stretch>
-        </a:blipFill>
+        <a:gradFill flip="none" rotWithShape="1">
+          <a:gsLst>
+            <a:gs pos="11000">
+              <a:schemeClr val="accent3">
+                <a:lumMod val="57000"/>
+              </a:schemeClr>
+            </a:gs>
+            <a:gs pos="100000">
+              <a:schemeClr val="tx1">
+                <a:lumMod val="65000"/>
+                <a:lumOff val="35000"/>
+              </a:schemeClr>
+            </a:gs>
+          </a:gsLst>
+          <a:lin ang="16200000" scaled="1"/>
+          <a:tileRect/>
+        </a:gradFill>
         <a:effectLst/>
       </p:bgPr>
     </p:bg>
@@ -2937,13 +2950,13 @@
         </p:nvSpPr>
         <p:spPr>
           <a:xfrm>
-            <a:off x="4888647" y="0"/>
-            <a:ext cx="20497919" cy="3253447"/>
+            <a:off x="3692831" y="1066807"/>
+            <a:ext cx="23179028" cy="2537092"/>
           </a:xfrm>
         </p:spPr>
         <p:txBody>
           <a:bodyPr>
-            <a:normAutofit/>
+            <a:normAutofit fontScale="90000"/>
           </a:bodyPr>
           <a:lstStyle/>
           <a:p>
@@ -2953,7 +2966,23 @@
                   <a:schemeClr val="bg1"/>
                 </a:solidFill>
               </a:rPr>
-              <a:t>ISIS Hardware</a:t>
+              <a:t>Algorithms in</a:t>
+            </a:r>
+            <a:r>
+              <a:rPr lang="en-US" dirty="0" smtClean="0">
+                <a:solidFill>
+                  <a:schemeClr val="bg1"/>
+                </a:solidFill>
+              </a:rPr>
+              <a:t> </a:t>
+            </a:r>
+            <a:r>
+              <a:rPr lang="en-US" dirty="0" smtClean="0">
+                <a:solidFill>
+                  <a:schemeClr val="bg1"/>
+                </a:solidFill>
+              </a:rPr>
+              <a:t>Hardware</a:t>
             </a:r>
             <a:endParaRPr lang="en-US" dirty="0">
               <a:solidFill>
@@ -2975,8 +3004,8 @@
         </p:nvSpPr>
         <p:spPr>
           <a:xfrm>
-            <a:off x="1433088" y="5500172"/>
-            <a:ext cx="18520426" cy="9489457"/>
+            <a:off x="2849161" y="7062794"/>
+            <a:ext cx="10605581" cy="6917792"/>
           </a:xfrm>
         </p:spPr>
         <p:txBody>
@@ -2993,16 +3022,29 @@
               </a:rPr>
               <a:t>Abstract</a:t>
             </a:r>
+            <a:endParaRPr lang="en-US" sz="3200" dirty="0" smtClean="0">
+              <a:solidFill>
+                <a:schemeClr val="bg1"/>
+              </a:solidFill>
+            </a:endParaRPr>
           </a:p>
           <a:p>
             <a:pPr algn="just"/>
             <a:r>
+              <a:rPr lang="en-US" sz="3200" dirty="0">
+                <a:solidFill>
+                  <a:schemeClr val="bg1"/>
+                </a:solidFill>
+              </a:rPr>
+              <a:t>The application of cryptographic algorithms in hardware is utilized for security and performance reasons in various public-key </a:t>
+            </a:r>
+            <a:r>
               <a:rPr lang="en-US" sz="3200" dirty="0" smtClean="0">
                 <a:solidFill>
                   <a:schemeClr val="bg1"/>
                 </a:solidFill>
               </a:rPr>
-              <a:t>The </a:t>
+              <a:t>cryptosystems. </a:t>
             </a:r>
             <a:r>
               <a:rPr lang="en-US" sz="3200" dirty="0">
@@ -3010,15 +3052,15 @@
                   <a:schemeClr val="bg1"/>
                 </a:solidFill>
               </a:rPr>
-              <a:t>application of cryptographic algorithms in hardware is utilized for security and performance reasons in various public-key cryptosystems. The goal of this project is to present one such algorithm, a systolic modular exponentiation system, in VHDL on our FPGA board. FPGAs (field-programmable gate arrays) are composed of programmable logic blocks and reconfigurable connections that enables the blocks to be set up in a logic gate system. VHDL (Very High Speed Integrated Circuit </a:t>
-            </a:r>
-            <a:r>
-              <a:rPr lang="en-US" sz="3200" dirty="0" smtClean="0">
+              <a:t>The overall aim of the project is to implement algorithms in hardware. The design of the algorithm and logic circuit for a systolic system for modular exponentiation has been defined by </a:t>
+            </a:r>
+            <a:r>
+              <a:rPr lang="en-US" sz="3200" dirty="0" err="1">
                 <a:solidFill>
                   <a:schemeClr val="bg1"/>
                 </a:solidFill>
               </a:rPr>
-              <a:t>Hardware </a:t>
+              <a:t>Kornerup</a:t>
             </a:r>
             <a:r>
               <a:rPr lang="en-US" sz="3200" dirty="0">
@@ -3026,53 +3068,23 @@
                   <a:schemeClr val="bg1"/>
                 </a:solidFill>
               </a:rPr>
-              <a:t>Description Language) is a hardware programming language that is used to write text models of logic circuits. The group has been able to represent a systolic system for modular exponentiation in VHDL that implements arithmetic and logic functions.</a:t>
-            </a:r>
-          </a:p>
-        </p:txBody>
-      </p:sp>
-      <p:pic>
-        <p:nvPicPr>
-          <p:cNvPr id="4" name="Picture 3"/>
-          <p:cNvPicPr>
-            <a:picLocks noChangeAspect="1"/>
-          </p:cNvPicPr>
+              <a:t> (1994) in A Systolic, Linear-Array Multiplier for a Class of Right-Shift Algorithms. In order to design this algorithm in VHDL, some other functions were first developed. </a:t>
+            </a:r>
+          </a:p>
+        </p:txBody>
+      </p:sp>
+      <p:sp>
+        <p:nvSpPr>
+          <p:cNvPr id="8" name="Subtitle 2"/>
+          <p:cNvSpPr txBox="1">
+            <a:spLocks/>
+          </p:cNvSpPr>
           <p:nvPr/>
-        </p:nvPicPr>
-        <p:blipFill>
-          <a:blip r:embed="rId3">
-            <a:extLst>
-              <a:ext uri="{28A0092B-C50C-407E-A947-70E740481C1C}">
-                <a14:useLocalDpi xmlns:a14="http://schemas.microsoft.com/office/drawing/2010/main" val="0"/>
-              </a:ext>
-            </a:extLst>
-          </a:blip>
-          <a:stretch>
-            <a:fillRect/>
-          </a:stretch>
-        </p:blipFill>
+        </p:nvSpPr>
         <p:spPr>
           <a:xfrm>
-            <a:off x="16660813" y="18693611"/>
-            <a:ext cx="12700000" cy="7924800"/>
-          </a:xfrm>
-          <a:prstGeom prst="rect">
-            <a:avLst/>
-          </a:prstGeom>
-        </p:spPr>
-      </p:pic>
-      <p:sp>
-        <p:nvSpPr>
-          <p:cNvPr id="5" name="Subtitle 2"/>
-          <p:cNvSpPr txBox="1">
-            <a:spLocks/>
-          </p:cNvSpPr>
-          <p:nvPr/>
-        </p:nvSpPr>
-        <p:spPr>
-          <a:xfrm>
-            <a:off x="1433088" y="13166554"/>
-            <a:ext cx="18520426" cy="9489457"/>
+            <a:off x="6415910" y="42126310"/>
+            <a:ext cx="17732870" cy="677453"/>
           </a:xfrm>
           <a:prstGeom prst="rect">
             <a:avLst/>
@@ -3248,23 +3260,844 @@
           </a:lstStyle>
           <a:p>
             <a:r>
+              <a:rPr lang="en-US" sz="3200" dirty="0">
+                <a:solidFill>
+                  <a:schemeClr val="bg1"/>
+                </a:solidFill>
+              </a:rPr>
+              <a:t>Simon </a:t>
+            </a:r>
+            <a:r>
               <a:rPr lang="en-US" sz="3200" dirty="0" smtClean="0">
                 <a:solidFill>
                   <a:schemeClr val="bg1"/>
                 </a:solidFill>
               </a:rPr>
-              <a:t>Abstract</a:t>
+              <a:t>Karing        •        Mathias </a:t>
+            </a:r>
+            <a:r>
+              <a:rPr lang="en-US" sz="3200" dirty="0" err="1" smtClean="0">
+                <a:solidFill>
+                  <a:schemeClr val="bg1"/>
+                </a:solidFill>
+              </a:rPr>
+              <a:t>Helsengren</a:t>
+            </a:r>
+            <a:r>
+              <a:rPr lang="en-US" sz="3200" dirty="0" smtClean="0">
+                <a:solidFill>
+                  <a:schemeClr val="bg1"/>
+                </a:solidFill>
+              </a:rPr>
+              <a:t>         </a:t>
+            </a:r>
+            <a:r>
+              <a:rPr lang="en-US" sz="3200" dirty="0">
+                <a:solidFill>
+                  <a:schemeClr val="bg1"/>
+                </a:solidFill>
+              </a:rPr>
+              <a:t>• </a:t>
+            </a:r>
+            <a:r>
+              <a:rPr lang="en-US" sz="3200" dirty="0" smtClean="0">
+                <a:solidFill>
+                  <a:schemeClr val="bg1"/>
+                </a:solidFill>
+              </a:rPr>
+              <a:t>       Mads </a:t>
+            </a:r>
+            <a:r>
+              <a:rPr lang="en-US" sz="3200" dirty="0">
+                <a:solidFill>
+                  <a:schemeClr val="bg1"/>
+                </a:solidFill>
+              </a:rPr>
+              <a:t>Riis </a:t>
+            </a:r>
+            <a:r>
+              <a:rPr lang="en-US" sz="3200" dirty="0" smtClean="0">
+                <a:solidFill>
+                  <a:schemeClr val="bg1"/>
+                </a:solidFill>
+              </a:rPr>
+              <a:t>Rasmussen</a:t>
+            </a:r>
+            <a:r>
+              <a:rPr lang="en-US" sz="3200" dirty="0">
+                <a:solidFill>
+                  <a:schemeClr val="bg1"/>
+                </a:solidFill>
+              </a:rPr>
+              <a:t> </a:t>
+            </a:r>
+            <a:r>
+              <a:rPr lang="en-US" sz="3200" dirty="0" smtClean="0">
+                <a:solidFill>
+                  <a:schemeClr val="bg1"/>
+                </a:solidFill>
+              </a:rPr>
+              <a:t>       •        Kim </a:t>
+            </a:r>
+            <a:r>
+              <a:rPr lang="en-US" sz="3200" dirty="0">
+                <a:solidFill>
+                  <a:schemeClr val="bg1"/>
+                </a:solidFill>
+              </a:rPr>
+              <a:t>Hoang </a:t>
+            </a:r>
+            <a:r>
+              <a:rPr lang="en-US" sz="3200" dirty="0" smtClean="0">
+                <a:solidFill>
+                  <a:schemeClr val="bg1"/>
+                </a:solidFill>
+              </a:rPr>
+              <a:t>Le</a:t>
+            </a:r>
+            <a:endParaRPr lang="en-US" sz="3200" dirty="0" smtClean="0">
+              <a:solidFill>
+                <a:schemeClr val="bg1"/>
+              </a:solidFill>
+            </a:endParaRPr>
+          </a:p>
+        </p:txBody>
+      </p:sp>
+      <p:pic>
+        <p:nvPicPr>
+          <p:cNvPr id="5" name="Picture 4"/>
+          <p:cNvPicPr>
+            <a:picLocks noChangeAspect="1"/>
+          </p:cNvPicPr>
+          <p:nvPr/>
+        </p:nvPicPr>
+        <p:blipFill>
+          <a:blip r:embed="rId2"/>
+          <a:stretch>
+            <a:fillRect/>
+          </a:stretch>
+        </p:blipFill>
+        <p:spPr>
+          <a:xfrm>
+            <a:off x="10030895" y="38097222"/>
+            <a:ext cx="10502900" cy="2806700"/>
+          </a:xfrm>
+          <a:prstGeom prst="rect">
+            <a:avLst/>
+          </a:prstGeom>
+        </p:spPr>
+      </p:pic>
+      <p:pic>
+        <p:nvPicPr>
+          <p:cNvPr id="14" name="Picture 13"/>
+          <p:cNvPicPr>
+            <a:picLocks noChangeAspect="1"/>
+          </p:cNvPicPr>
+          <p:nvPr/>
+        </p:nvPicPr>
+        <p:blipFill>
+          <a:blip r:embed="rId3"/>
+          <a:stretch>
+            <a:fillRect/>
+          </a:stretch>
+        </p:blipFill>
+        <p:spPr>
+          <a:xfrm>
+            <a:off x="8151951" y="27712561"/>
+            <a:ext cx="14884400" cy="7924800"/>
+          </a:xfrm>
+          <a:prstGeom prst="rect">
+            <a:avLst/>
+          </a:prstGeom>
+          <a:effectLst>
+            <a:softEdge rad="88900"/>
+          </a:effectLst>
+        </p:spPr>
+      </p:pic>
+      <p:sp>
+        <p:nvSpPr>
+          <p:cNvPr id="15" name="Subtitle 2"/>
+          <p:cNvSpPr txBox="1">
+            <a:spLocks/>
+          </p:cNvSpPr>
+          <p:nvPr/>
+        </p:nvSpPr>
+        <p:spPr>
+          <a:xfrm>
+            <a:off x="2849161" y="4573418"/>
+            <a:ext cx="10605581" cy="2489376"/>
+          </a:xfrm>
+          <a:prstGeom prst="rect">
+            <a:avLst/>
+          </a:prstGeom>
+        </p:spPr>
+        <p:txBody>
+          <a:bodyPr vert="horz" lIns="91440" tIns="45720" rIns="91440" bIns="45720" rtlCol="0">
+            <a:noAutofit/>
+          </a:bodyPr>
+          <a:lstStyle>
+            <a:lvl1pPr marL="0" indent="0" algn="ctr" defTabSz="3027487" rtl="0" eaLnBrk="1" latinLnBrk="0" hangingPunct="1">
+              <a:lnSpc>
+                <a:spcPct val="90000"/>
+              </a:lnSpc>
+              <a:spcBef>
+                <a:spcPts val="3311"/>
+              </a:spcBef>
+              <a:buFont typeface="Arial" panose="020B0604020202020204" pitchFamily="34" charset="0"/>
+              <a:buNone/>
+              <a:defRPr sz="7946" kern="1200">
+                <a:solidFill>
+                  <a:schemeClr val="tx1"/>
+                </a:solidFill>
+                <a:latin typeface="+mn-lt"/>
+                <a:ea typeface="+mn-ea"/>
+                <a:cs typeface="+mn-cs"/>
+              </a:defRPr>
+            </a:lvl1pPr>
+            <a:lvl2pPr marL="1513743" indent="0" algn="ctr" defTabSz="3027487" rtl="0" eaLnBrk="1" latinLnBrk="0" hangingPunct="1">
+              <a:lnSpc>
+                <a:spcPct val="90000"/>
+              </a:lnSpc>
+              <a:spcBef>
+                <a:spcPts val="1655"/>
+              </a:spcBef>
+              <a:buFont typeface="Arial" panose="020B0604020202020204" pitchFamily="34" charset="0"/>
+              <a:buNone/>
+              <a:defRPr sz="6622" kern="1200">
+                <a:solidFill>
+                  <a:schemeClr val="tx1"/>
+                </a:solidFill>
+                <a:latin typeface="+mn-lt"/>
+                <a:ea typeface="+mn-ea"/>
+                <a:cs typeface="+mn-cs"/>
+              </a:defRPr>
+            </a:lvl2pPr>
+            <a:lvl3pPr marL="3027487" indent="0" algn="ctr" defTabSz="3027487" rtl="0" eaLnBrk="1" latinLnBrk="0" hangingPunct="1">
+              <a:lnSpc>
+                <a:spcPct val="90000"/>
+              </a:lnSpc>
+              <a:spcBef>
+                <a:spcPts val="1655"/>
+              </a:spcBef>
+              <a:buFont typeface="Arial" panose="020B0604020202020204" pitchFamily="34" charset="0"/>
+              <a:buNone/>
+              <a:defRPr sz="5960" kern="1200">
+                <a:solidFill>
+                  <a:schemeClr val="tx1"/>
+                </a:solidFill>
+                <a:latin typeface="+mn-lt"/>
+                <a:ea typeface="+mn-ea"/>
+                <a:cs typeface="+mn-cs"/>
+              </a:defRPr>
+            </a:lvl3pPr>
+            <a:lvl4pPr marL="4541230" indent="0" algn="ctr" defTabSz="3027487" rtl="0" eaLnBrk="1" latinLnBrk="0" hangingPunct="1">
+              <a:lnSpc>
+                <a:spcPct val="90000"/>
+              </a:lnSpc>
+              <a:spcBef>
+                <a:spcPts val="1655"/>
+              </a:spcBef>
+              <a:buFont typeface="Arial" panose="020B0604020202020204" pitchFamily="34" charset="0"/>
+              <a:buNone/>
+              <a:defRPr sz="5297" kern="1200">
+                <a:solidFill>
+                  <a:schemeClr val="tx1"/>
+                </a:solidFill>
+                <a:latin typeface="+mn-lt"/>
+                <a:ea typeface="+mn-ea"/>
+                <a:cs typeface="+mn-cs"/>
+              </a:defRPr>
+            </a:lvl4pPr>
+            <a:lvl5pPr marL="6054974" indent="0" algn="ctr" defTabSz="3027487" rtl="0" eaLnBrk="1" latinLnBrk="0" hangingPunct="1">
+              <a:lnSpc>
+                <a:spcPct val="90000"/>
+              </a:lnSpc>
+              <a:spcBef>
+                <a:spcPts val="1655"/>
+              </a:spcBef>
+              <a:buFont typeface="Arial" panose="020B0604020202020204" pitchFamily="34" charset="0"/>
+              <a:buNone/>
+              <a:defRPr sz="5297" kern="1200">
+                <a:solidFill>
+                  <a:schemeClr val="tx1"/>
+                </a:solidFill>
+                <a:latin typeface="+mn-lt"/>
+                <a:ea typeface="+mn-ea"/>
+                <a:cs typeface="+mn-cs"/>
+              </a:defRPr>
+            </a:lvl5pPr>
+            <a:lvl6pPr marL="7568717" indent="0" algn="ctr" defTabSz="3027487" rtl="0" eaLnBrk="1" latinLnBrk="0" hangingPunct="1">
+              <a:lnSpc>
+                <a:spcPct val="90000"/>
+              </a:lnSpc>
+              <a:spcBef>
+                <a:spcPts val="1655"/>
+              </a:spcBef>
+              <a:buFont typeface="Arial" panose="020B0604020202020204" pitchFamily="34" charset="0"/>
+              <a:buNone/>
+              <a:defRPr sz="5297" kern="1200">
+                <a:solidFill>
+                  <a:schemeClr val="tx1"/>
+                </a:solidFill>
+                <a:latin typeface="+mn-lt"/>
+                <a:ea typeface="+mn-ea"/>
+                <a:cs typeface="+mn-cs"/>
+              </a:defRPr>
+            </a:lvl6pPr>
+            <a:lvl7pPr marL="9082461" indent="0" algn="ctr" defTabSz="3027487" rtl="0" eaLnBrk="1" latinLnBrk="0" hangingPunct="1">
+              <a:lnSpc>
+                <a:spcPct val="90000"/>
+              </a:lnSpc>
+              <a:spcBef>
+                <a:spcPts val="1655"/>
+              </a:spcBef>
+              <a:buFont typeface="Arial" panose="020B0604020202020204" pitchFamily="34" charset="0"/>
+              <a:buNone/>
+              <a:defRPr sz="5297" kern="1200">
+                <a:solidFill>
+                  <a:schemeClr val="tx1"/>
+                </a:solidFill>
+                <a:latin typeface="+mn-lt"/>
+                <a:ea typeface="+mn-ea"/>
+                <a:cs typeface="+mn-cs"/>
+              </a:defRPr>
+            </a:lvl7pPr>
+            <a:lvl8pPr marL="10596204" indent="0" algn="ctr" defTabSz="3027487" rtl="0" eaLnBrk="1" latinLnBrk="0" hangingPunct="1">
+              <a:lnSpc>
+                <a:spcPct val="90000"/>
+              </a:lnSpc>
+              <a:spcBef>
+                <a:spcPts val="1655"/>
+              </a:spcBef>
+              <a:buFont typeface="Arial" panose="020B0604020202020204" pitchFamily="34" charset="0"/>
+              <a:buNone/>
+              <a:defRPr sz="5297" kern="1200">
+                <a:solidFill>
+                  <a:schemeClr val="tx1"/>
+                </a:solidFill>
+                <a:latin typeface="+mn-lt"/>
+                <a:ea typeface="+mn-ea"/>
+                <a:cs typeface="+mn-cs"/>
+              </a:defRPr>
+            </a:lvl8pPr>
+            <a:lvl9pPr marL="12109948" indent="0" algn="ctr" defTabSz="3027487" rtl="0" eaLnBrk="1" latinLnBrk="0" hangingPunct="1">
+              <a:lnSpc>
+                <a:spcPct val="90000"/>
+              </a:lnSpc>
+              <a:spcBef>
+                <a:spcPts val="1655"/>
+              </a:spcBef>
+              <a:buFont typeface="Arial" panose="020B0604020202020204" pitchFamily="34" charset="0"/>
+              <a:buNone/>
+              <a:defRPr sz="5297" kern="1200">
+                <a:solidFill>
+                  <a:schemeClr val="tx1"/>
+                </a:solidFill>
+                <a:latin typeface="+mn-lt"/>
+                <a:ea typeface="+mn-ea"/>
+                <a:cs typeface="+mn-cs"/>
+              </a:defRPr>
+            </a:lvl9pPr>
+          </a:lstStyle>
+          <a:p>
+            <a:r>
+              <a:rPr lang="en-US" sz="3200" dirty="0" smtClean="0">
+                <a:solidFill>
+                  <a:schemeClr val="bg1"/>
+                </a:solidFill>
+              </a:rPr>
+              <a:t>The Project</a:t>
             </a:r>
           </a:p>
           <a:p>
             <a:pPr algn="just"/>
             <a:r>
+              <a:rPr lang="en-US" sz="3200" dirty="0">
+                <a:solidFill>
+                  <a:schemeClr val="bg1"/>
+                </a:solidFill>
+              </a:rPr>
+              <a:t>The goal of this project is to present one such algorithm, a systolic modular exponentiation system, in VHDL on our FPGA board.</a:t>
+            </a:r>
+          </a:p>
+        </p:txBody>
+      </p:sp>
+      <p:sp>
+        <p:nvSpPr>
+          <p:cNvPr id="16" name="Subtitle 2"/>
+          <p:cNvSpPr txBox="1">
+            <a:spLocks/>
+          </p:cNvSpPr>
+          <p:nvPr/>
+        </p:nvSpPr>
+        <p:spPr>
+          <a:xfrm>
+            <a:off x="17277015" y="9840686"/>
+            <a:ext cx="10605581" cy="4139900"/>
+          </a:xfrm>
+          <a:prstGeom prst="rect">
+            <a:avLst/>
+          </a:prstGeom>
+        </p:spPr>
+        <p:txBody>
+          <a:bodyPr vert="horz" lIns="91440" tIns="45720" rIns="91440" bIns="45720" rtlCol="0">
+            <a:noAutofit/>
+          </a:bodyPr>
+          <a:lstStyle>
+            <a:lvl1pPr marL="0" indent="0" algn="ctr" defTabSz="3027487" rtl="0" eaLnBrk="1" latinLnBrk="0" hangingPunct="1">
+              <a:lnSpc>
+                <a:spcPct val="90000"/>
+              </a:lnSpc>
+              <a:spcBef>
+                <a:spcPts val="3311"/>
+              </a:spcBef>
+              <a:buFont typeface="Arial" panose="020B0604020202020204" pitchFamily="34" charset="0"/>
+              <a:buNone/>
+              <a:defRPr sz="7946" kern="1200">
+                <a:solidFill>
+                  <a:schemeClr val="tx1"/>
+                </a:solidFill>
+                <a:latin typeface="+mn-lt"/>
+                <a:ea typeface="+mn-ea"/>
+                <a:cs typeface="+mn-cs"/>
+              </a:defRPr>
+            </a:lvl1pPr>
+            <a:lvl2pPr marL="1513743" indent="0" algn="ctr" defTabSz="3027487" rtl="0" eaLnBrk="1" latinLnBrk="0" hangingPunct="1">
+              <a:lnSpc>
+                <a:spcPct val="90000"/>
+              </a:lnSpc>
+              <a:spcBef>
+                <a:spcPts val="1655"/>
+              </a:spcBef>
+              <a:buFont typeface="Arial" panose="020B0604020202020204" pitchFamily="34" charset="0"/>
+              <a:buNone/>
+              <a:defRPr sz="6622" kern="1200">
+                <a:solidFill>
+                  <a:schemeClr val="tx1"/>
+                </a:solidFill>
+                <a:latin typeface="+mn-lt"/>
+                <a:ea typeface="+mn-ea"/>
+                <a:cs typeface="+mn-cs"/>
+              </a:defRPr>
+            </a:lvl2pPr>
+            <a:lvl3pPr marL="3027487" indent="0" algn="ctr" defTabSz="3027487" rtl="0" eaLnBrk="1" latinLnBrk="0" hangingPunct="1">
+              <a:lnSpc>
+                <a:spcPct val="90000"/>
+              </a:lnSpc>
+              <a:spcBef>
+                <a:spcPts val="1655"/>
+              </a:spcBef>
+              <a:buFont typeface="Arial" panose="020B0604020202020204" pitchFamily="34" charset="0"/>
+              <a:buNone/>
+              <a:defRPr sz="5960" kern="1200">
+                <a:solidFill>
+                  <a:schemeClr val="tx1"/>
+                </a:solidFill>
+                <a:latin typeface="+mn-lt"/>
+                <a:ea typeface="+mn-ea"/>
+                <a:cs typeface="+mn-cs"/>
+              </a:defRPr>
+            </a:lvl3pPr>
+            <a:lvl4pPr marL="4541230" indent="0" algn="ctr" defTabSz="3027487" rtl="0" eaLnBrk="1" latinLnBrk="0" hangingPunct="1">
+              <a:lnSpc>
+                <a:spcPct val="90000"/>
+              </a:lnSpc>
+              <a:spcBef>
+                <a:spcPts val="1655"/>
+              </a:spcBef>
+              <a:buFont typeface="Arial" panose="020B0604020202020204" pitchFamily="34" charset="0"/>
+              <a:buNone/>
+              <a:defRPr sz="5297" kern="1200">
+                <a:solidFill>
+                  <a:schemeClr val="tx1"/>
+                </a:solidFill>
+                <a:latin typeface="+mn-lt"/>
+                <a:ea typeface="+mn-ea"/>
+                <a:cs typeface="+mn-cs"/>
+              </a:defRPr>
+            </a:lvl4pPr>
+            <a:lvl5pPr marL="6054974" indent="0" algn="ctr" defTabSz="3027487" rtl="0" eaLnBrk="1" latinLnBrk="0" hangingPunct="1">
+              <a:lnSpc>
+                <a:spcPct val="90000"/>
+              </a:lnSpc>
+              <a:spcBef>
+                <a:spcPts val="1655"/>
+              </a:spcBef>
+              <a:buFont typeface="Arial" panose="020B0604020202020204" pitchFamily="34" charset="0"/>
+              <a:buNone/>
+              <a:defRPr sz="5297" kern="1200">
+                <a:solidFill>
+                  <a:schemeClr val="tx1"/>
+                </a:solidFill>
+                <a:latin typeface="+mn-lt"/>
+                <a:ea typeface="+mn-ea"/>
+                <a:cs typeface="+mn-cs"/>
+              </a:defRPr>
+            </a:lvl5pPr>
+            <a:lvl6pPr marL="7568717" indent="0" algn="ctr" defTabSz="3027487" rtl="0" eaLnBrk="1" latinLnBrk="0" hangingPunct="1">
+              <a:lnSpc>
+                <a:spcPct val="90000"/>
+              </a:lnSpc>
+              <a:spcBef>
+                <a:spcPts val="1655"/>
+              </a:spcBef>
+              <a:buFont typeface="Arial" panose="020B0604020202020204" pitchFamily="34" charset="0"/>
+              <a:buNone/>
+              <a:defRPr sz="5297" kern="1200">
+                <a:solidFill>
+                  <a:schemeClr val="tx1"/>
+                </a:solidFill>
+                <a:latin typeface="+mn-lt"/>
+                <a:ea typeface="+mn-ea"/>
+                <a:cs typeface="+mn-cs"/>
+              </a:defRPr>
+            </a:lvl6pPr>
+            <a:lvl7pPr marL="9082461" indent="0" algn="ctr" defTabSz="3027487" rtl="0" eaLnBrk="1" latinLnBrk="0" hangingPunct="1">
+              <a:lnSpc>
+                <a:spcPct val="90000"/>
+              </a:lnSpc>
+              <a:spcBef>
+                <a:spcPts val="1655"/>
+              </a:spcBef>
+              <a:buFont typeface="Arial" panose="020B0604020202020204" pitchFamily="34" charset="0"/>
+              <a:buNone/>
+              <a:defRPr sz="5297" kern="1200">
+                <a:solidFill>
+                  <a:schemeClr val="tx1"/>
+                </a:solidFill>
+                <a:latin typeface="+mn-lt"/>
+                <a:ea typeface="+mn-ea"/>
+                <a:cs typeface="+mn-cs"/>
+              </a:defRPr>
+            </a:lvl7pPr>
+            <a:lvl8pPr marL="10596204" indent="0" algn="ctr" defTabSz="3027487" rtl="0" eaLnBrk="1" latinLnBrk="0" hangingPunct="1">
+              <a:lnSpc>
+                <a:spcPct val="90000"/>
+              </a:lnSpc>
+              <a:spcBef>
+                <a:spcPts val="1655"/>
+              </a:spcBef>
+              <a:buFont typeface="Arial" panose="020B0604020202020204" pitchFamily="34" charset="0"/>
+              <a:buNone/>
+              <a:defRPr sz="5297" kern="1200">
+                <a:solidFill>
+                  <a:schemeClr val="tx1"/>
+                </a:solidFill>
+                <a:latin typeface="+mn-lt"/>
+                <a:ea typeface="+mn-ea"/>
+                <a:cs typeface="+mn-cs"/>
+              </a:defRPr>
+            </a:lvl8pPr>
+            <a:lvl9pPr marL="12109948" indent="0" algn="ctr" defTabSz="3027487" rtl="0" eaLnBrk="1" latinLnBrk="0" hangingPunct="1">
+              <a:lnSpc>
+                <a:spcPct val="90000"/>
+              </a:lnSpc>
+              <a:spcBef>
+                <a:spcPts val="1655"/>
+              </a:spcBef>
+              <a:buFont typeface="Arial" panose="020B0604020202020204" pitchFamily="34" charset="0"/>
+              <a:buNone/>
+              <a:defRPr sz="5297" kern="1200">
+                <a:solidFill>
+                  <a:schemeClr val="tx1"/>
+                </a:solidFill>
+                <a:latin typeface="+mn-lt"/>
+                <a:ea typeface="+mn-ea"/>
+                <a:cs typeface="+mn-cs"/>
+              </a:defRPr>
+            </a:lvl9pPr>
+          </a:lstStyle>
+          <a:p>
+            <a:r>
               <a:rPr lang="en-US" sz="3200" dirty="0" smtClean="0">
                 <a:solidFill>
                   <a:schemeClr val="bg1"/>
                 </a:solidFill>
               </a:rPr>
-              <a:t>The application of cryptographic algorithms in hardware is utilized for security and performance reasons in various public-key cryptosystems. The goal of this project is to present one such algorithm, a systolic modular exponentiation system, in VHDL on our FPGA board. FPGAs (field-programmable gate arrays) are composed of programmable logic blocks and reconfigurable connections that enables the blocks to be set up in a logic gate system. VHDL (Very High Speed Integrated Circuit Hardware Description Language) is a hardware programming language that is used to write text models of logic circuits. The group has been able to represent a systolic system for modular exponentiation in VHDL that implements arithmetic and logic functions.</a:t>
+              <a:t>Conclusion</a:t>
+            </a:r>
+          </a:p>
+          <a:p>
+            <a:pPr algn="just"/>
+            <a:r>
+              <a:rPr lang="en-US" sz="3200" dirty="0">
+                <a:solidFill>
+                  <a:schemeClr val="bg1"/>
+                </a:solidFill>
+              </a:rPr>
+              <a:t>We encountered a wide degree of problems throughout our project. This included both software and hardware problems, some of which we were able to overcome. The problem could be solved by the deadline if we worked on from an earlier time. Despite our best efforts, and </a:t>
+            </a:r>
+            <a:r>
+              <a:rPr lang="en-US" sz="3200" dirty="0" smtClean="0">
+                <a:solidFill>
+                  <a:schemeClr val="bg1"/>
+                </a:solidFill>
+              </a:rPr>
+              <a:t>after </a:t>
+            </a:r>
+            <a:r>
+              <a:rPr lang="en-US" sz="3200" dirty="0">
+                <a:solidFill>
+                  <a:schemeClr val="bg1"/>
+                </a:solidFill>
+              </a:rPr>
+              <a:t>numerous hours and a great deal of testing, the systolic system for modular exponentiation was not a working construction. </a:t>
+            </a:r>
+            <a:endParaRPr lang="en-US" sz="3200" dirty="0">
+              <a:solidFill>
+                <a:schemeClr val="bg1"/>
+              </a:solidFill>
+            </a:endParaRPr>
+          </a:p>
+          <a:p>
+            <a:pPr algn="l"/>
+            <a:endParaRPr lang="en-US" sz="3200" dirty="0" smtClean="0">
+              <a:solidFill>
+                <a:schemeClr val="bg1"/>
+              </a:solidFill>
+            </a:endParaRPr>
+          </a:p>
+        </p:txBody>
+      </p:sp>
+      <p:sp>
+        <p:nvSpPr>
+          <p:cNvPr id="17" name="Subtitle 2"/>
+          <p:cNvSpPr txBox="1">
+            <a:spLocks/>
+          </p:cNvSpPr>
+          <p:nvPr/>
+        </p:nvSpPr>
+        <p:spPr>
+          <a:xfrm>
+            <a:off x="17277014" y="4573418"/>
+            <a:ext cx="10605581" cy="5267268"/>
+          </a:xfrm>
+          <a:prstGeom prst="rect">
+            <a:avLst/>
+          </a:prstGeom>
+        </p:spPr>
+        <p:txBody>
+          <a:bodyPr vert="horz" lIns="91440" tIns="45720" rIns="91440" bIns="45720" rtlCol="0">
+            <a:noAutofit/>
+          </a:bodyPr>
+          <a:lstStyle>
+            <a:lvl1pPr marL="0" indent="0" algn="ctr" defTabSz="3027487" rtl="0" eaLnBrk="1" latinLnBrk="0" hangingPunct="1">
+              <a:lnSpc>
+                <a:spcPct val="90000"/>
+              </a:lnSpc>
+              <a:spcBef>
+                <a:spcPts val="3311"/>
+              </a:spcBef>
+              <a:buFont typeface="Arial" panose="020B0604020202020204" pitchFamily="34" charset="0"/>
+              <a:buNone/>
+              <a:defRPr sz="7946" kern="1200">
+                <a:solidFill>
+                  <a:schemeClr val="tx1"/>
+                </a:solidFill>
+                <a:latin typeface="+mn-lt"/>
+                <a:ea typeface="+mn-ea"/>
+                <a:cs typeface="+mn-cs"/>
+              </a:defRPr>
+            </a:lvl1pPr>
+            <a:lvl2pPr marL="1513743" indent="0" algn="ctr" defTabSz="3027487" rtl="0" eaLnBrk="1" latinLnBrk="0" hangingPunct="1">
+              <a:lnSpc>
+                <a:spcPct val="90000"/>
+              </a:lnSpc>
+              <a:spcBef>
+                <a:spcPts val="1655"/>
+              </a:spcBef>
+              <a:buFont typeface="Arial" panose="020B0604020202020204" pitchFamily="34" charset="0"/>
+              <a:buNone/>
+              <a:defRPr sz="6622" kern="1200">
+                <a:solidFill>
+                  <a:schemeClr val="tx1"/>
+                </a:solidFill>
+                <a:latin typeface="+mn-lt"/>
+                <a:ea typeface="+mn-ea"/>
+                <a:cs typeface="+mn-cs"/>
+              </a:defRPr>
+            </a:lvl2pPr>
+            <a:lvl3pPr marL="3027487" indent="0" algn="ctr" defTabSz="3027487" rtl="0" eaLnBrk="1" latinLnBrk="0" hangingPunct="1">
+              <a:lnSpc>
+                <a:spcPct val="90000"/>
+              </a:lnSpc>
+              <a:spcBef>
+                <a:spcPts val="1655"/>
+              </a:spcBef>
+              <a:buFont typeface="Arial" panose="020B0604020202020204" pitchFamily="34" charset="0"/>
+              <a:buNone/>
+              <a:defRPr sz="5960" kern="1200">
+                <a:solidFill>
+                  <a:schemeClr val="tx1"/>
+                </a:solidFill>
+                <a:latin typeface="+mn-lt"/>
+                <a:ea typeface="+mn-ea"/>
+                <a:cs typeface="+mn-cs"/>
+              </a:defRPr>
+            </a:lvl3pPr>
+            <a:lvl4pPr marL="4541230" indent="0" algn="ctr" defTabSz="3027487" rtl="0" eaLnBrk="1" latinLnBrk="0" hangingPunct="1">
+              <a:lnSpc>
+                <a:spcPct val="90000"/>
+              </a:lnSpc>
+              <a:spcBef>
+                <a:spcPts val="1655"/>
+              </a:spcBef>
+              <a:buFont typeface="Arial" panose="020B0604020202020204" pitchFamily="34" charset="0"/>
+              <a:buNone/>
+              <a:defRPr sz="5297" kern="1200">
+                <a:solidFill>
+                  <a:schemeClr val="tx1"/>
+                </a:solidFill>
+                <a:latin typeface="+mn-lt"/>
+                <a:ea typeface="+mn-ea"/>
+                <a:cs typeface="+mn-cs"/>
+              </a:defRPr>
+            </a:lvl4pPr>
+            <a:lvl5pPr marL="6054974" indent="0" algn="ctr" defTabSz="3027487" rtl="0" eaLnBrk="1" latinLnBrk="0" hangingPunct="1">
+              <a:lnSpc>
+                <a:spcPct val="90000"/>
+              </a:lnSpc>
+              <a:spcBef>
+                <a:spcPts val="1655"/>
+              </a:spcBef>
+              <a:buFont typeface="Arial" panose="020B0604020202020204" pitchFamily="34" charset="0"/>
+              <a:buNone/>
+              <a:defRPr sz="5297" kern="1200">
+                <a:solidFill>
+                  <a:schemeClr val="tx1"/>
+                </a:solidFill>
+                <a:latin typeface="+mn-lt"/>
+                <a:ea typeface="+mn-ea"/>
+                <a:cs typeface="+mn-cs"/>
+              </a:defRPr>
+            </a:lvl5pPr>
+            <a:lvl6pPr marL="7568717" indent="0" algn="ctr" defTabSz="3027487" rtl="0" eaLnBrk="1" latinLnBrk="0" hangingPunct="1">
+              <a:lnSpc>
+                <a:spcPct val="90000"/>
+              </a:lnSpc>
+              <a:spcBef>
+                <a:spcPts val="1655"/>
+              </a:spcBef>
+              <a:buFont typeface="Arial" panose="020B0604020202020204" pitchFamily="34" charset="0"/>
+              <a:buNone/>
+              <a:defRPr sz="5297" kern="1200">
+                <a:solidFill>
+                  <a:schemeClr val="tx1"/>
+                </a:solidFill>
+                <a:latin typeface="+mn-lt"/>
+                <a:ea typeface="+mn-ea"/>
+                <a:cs typeface="+mn-cs"/>
+              </a:defRPr>
+            </a:lvl6pPr>
+            <a:lvl7pPr marL="9082461" indent="0" algn="ctr" defTabSz="3027487" rtl="0" eaLnBrk="1" latinLnBrk="0" hangingPunct="1">
+              <a:lnSpc>
+                <a:spcPct val="90000"/>
+              </a:lnSpc>
+              <a:spcBef>
+                <a:spcPts val="1655"/>
+              </a:spcBef>
+              <a:buFont typeface="Arial" panose="020B0604020202020204" pitchFamily="34" charset="0"/>
+              <a:buNone/>
+              <a:defRPr sz="5297" kern="1200">
+                <a:solidFill>
+                  <a:schemeClr val="tx1"/>
+                </a:solidFill>
+                <a:latin typeface="+mn-lt"/>
+                <a:ea typeface="+mn-ea"/>
+                <a:cs typeface="+mn-cs"/>
+              </a:defRPr>
+            </a:lvl7pPr>
+            <a:lvl8pPr marL="10596204" indent="0" algn="ctr" defTabSz="3027487" rtl="0" eaLnBrk="1" latinLnBrk="0" hangingPunct="1">
+              <a:lnSpc>
+                <a:spcPct val="90000"/>
+              </a:lnSpc>
+              <a:spcBef>
+                <a:spcPts val="1655"/>
+              </a:spcBef>
+              <a:buFont typeface="Arial" panose="020B0604020202020204" pitchFamily="34" charset="0"/>
+              <a:buNone/>
+              <a:defRPr sz="5297" kern="1200">
+                <a:solidFill>
+                  <a:schemeClr val="tx1"/>
+                </a:solidFill>
+                <a:latin typeface="+mn-lt"/>
+                <a:ea typeface="+mn-ea"/>
+                <a:cs typeface="+mn-cs"/>
+              </a:defRPr>
+            </a:lvl8pPr>
+            <a:lvl9pPr marL="12109948" indent="0" algn="ctr" defTabSz="3027487" rtl="0" eaLnBrk="1" latinLnBrk="0" hangingPunct="1">
+              <a:lnSpc>
+                <a:spcPct val="90000"/>
+              </a:lnSpc>
+              <a:spcBef>
+                <a:spcPts val="1655"/>
+              </a:spcBef>
+              <a:buFont typeface="Arial" panose="020B0604020202020204" pitchFamily="34" charset="0"/>
+              <a:buNone/>
+              <a:defRPr sz="5297" kern="1200">
+                <a:solidFill>
+                  <a:schemeClr val="tx1"/>
+                </a:solidFill>
+                <a:latin typeface="+mn-lt"/>
+                <a:ea typeface="+mn-ea"/>
+                <a:cs typeface="+mn-cs"/>
+              </a:defRPr>
+            </a:lvl9pPr>
+          </a:lstStyle>
+          <a:p>
+            <a:r>
+              <a:rPr lang="en-US" sz="3200" dirty="0" smtClean="0">
+                <a:solidFill>
+                  <a:schemeClr val="bg1"/>
+                </a:solidFill>
+              </a:rPr>
+              <a:t>Method</a:t>
+            </a:r>
+          </a:p>
+          <a:p>
+            <a:pPr algn="just"/>
+            <a:r>
+              <a:rPr lang="en-US" sz="3200" dirty="0" smtClean="0">
+                <a:solidFill>
+                  <a:schemeClr val="bg1"/>
+                </a:solidFill>
+              </a:rPr>
+              <a:t>In order to reach the projects goal, we familiarized ourselves with </a:t>
+            </a:r>
+            <a:r>
+              <a:rPr lang="en-US" sz="3200" smtClean="0">
+                <a:solidFill>
+                  <a:schemeClr val="bg1"/>
+                </a:solidFill>
+              </a:rPr>
+              <a:t>VHDL language and </a:t>
+            </a:r>
+            <a:endParaRPr lang="en-US" sz="3200" dirty="0" smtClean="0">
+              <a:solidFill>
+                <a:schemeClr val="bg1"/>
+              </a:solidFill>
+            </a:endParaRPr>
+          </a:p>
+          <a:p>
+            <a:pPr algn="just"/>
+            <a:r>
+              <a:rPr lang="en-US" sz="3200" dirty="0" smtClean="0">
+                <a:solidFill>
+                  <a:schemeClr val="bg1"/>
+                </a:solidFill>
+              </a:rPr>
+              <a:t>FPGA</a:t>
+            </a:r>
+          </a:p>
+          <a:p>
+            <a:pPr algn="just"/>
+            <a:r>
+              <a:rPr lang="en-US" sz="3200" dirty="0" smtClean="0">
+                <a:solidFill>
+                  <a:schemeClr val="bg1"/>
+                </a:solidFill>
+              </a:rPr>
+              <a:t>VHDL</a:t>
             </a:r>
             <a:endParaRPr lang="en-US" sz="3200" dirty="0">
               <a:solidFill>
